--- a/abnt-id-banner.pptx
+++ b/abnt-id-banner.pptx
@@ -53,7 +53,7 @@
       </p:grpSpPr>
       <p:sp>
         <p:nvSpPr>
-          <p:cNvPr id="23" name="PlaceHolder 1"/>
+          <p:cNvPr id="21" name="PlaceHolder 1"/>
           <p:cNvSpPr>
             <a:spLocks noGrp="1"/>
           </p:cNvSpPr>
@@ -71,26 +71,20 @@
           </a:prstGeom>
         </p:spPr>
         <p:txBody>
-          <a:bodyPr lIns="0" rIns="0" tIns="0" bIns="0" anchor="ctr"/>
+          <a:bodyPr lIns="0" rIns="0" tIns="0" bIns="0" anchor="ctr">
+            <a:noAutofit/>
+          </a:bodyPr>
           <a:p>
             <a:pPr algn="ctr"/>
             <a:endParaRPr b="0" lang="pt-BR" sz="4400" spc="-1" strike="noStrike">
-              <a:solidFill>
-                <a:srgbClr val="000000"/>
-              </a:solidFill>
-              <a:uFill>
-                <a:solidFill>
-                  <a:srgbClr val="ffffff"/>
-                </a:solidFill>
-              </a:uFill>
-              <a:latin typeface="Arial"/>
-            </a:endParaRPr>
-          </a:p>
-        </p:txBody>
-      </p:sp>
-      <p:sp>
-        <p:nvSpPr>
-          <p:cNvPr id="24" name="PlaceHolder 2"/>
+              <a:latin typeface="Arial"/>
+            </a:endParaRPr>
+          </a:p>
+        </p:txBody>
+      </p:sp>
+      <p:sp>
+        <p:nvSpPr>
+          <p:cNvPr id="22" name="PlaceHolder 2"/>
           <p:cNvSpPr>
             <a:spLocks noGrp="1"/>
           </p:cNvSpPr>
@@ -108,25 +102,19 @@
           </a:prstGeom>
         </p:spPr>
         <p:txBody>
-          <a:bodyPr lIns="0" rIns="0" tIns="0" bIns="0"/>
-          <a:p>
-            <a:endParaRPr b="0" lang="pt-BR" sz="3200" spc="-1" strike="noStrike">
-              <a:solidFill>
-                <a:srgbClr val="000000"/>
-              </a:solidFill>
-              <a:uFill>
-                <a:solidFill>
-                  <a:srgbClr val="ffffff"/>
-                </a:solidFill>
-              </a:uFill>
-              <a:latin typeface="Arial"/>
-            </a:endParaRPr>
-          </a:p>
-        </p:txBody>
-      </p:sp>
-      <p:sp>
-        <p:nvSpPr>
-          <p:cNvPr id="25" name="PlaceHolder 3"/>
+          <a:bodyPr lIns="0" rIns="0" tIns="0" bIns="0">
+            <a:normAutofit/>
+          </a:bodyPr>
+          <a:p>
+            <a:endParaRPr b="0" lang="pt-BR" sz="3200" spc="-1" strike="noStrike">
+              <a:latin typeface="Arial"/>
+            </a:endParaRPr>
+          </a:p>
+        </p:txBody>
+      </p:sp>
+      <p:sp>
+        <p:nvSpPr>
+          <p:cNvPr id="23" name="PlaceHolder 3"/>
           <p:cNvSpPr>
             <a:spLocks noGrp="1"/>
           </p:cNvSpPr>
@@ -144,17 +132,11 @@
           </a:prstGeom>
         </p:spPr>
         <p:txBody>
-          <a:bodyPr lIns="0" rIns="0" tIns="0" bIns="0"/>
-          <a:p>
-            <a:endParaRPr b="0" lang="pt-BR" sz="3200" spc="-1" strike="noStrike">
-              <a:solidFill>
-                <a:srgbClr val="000000"/>
-              </a:solidFill>
-              <a:uFill>
-                <a:solidFill>
-                  <a:srgbClr val="ffffff"/>
-                </a:solidFill>
-              </a:uFill>
+          <a:bodyPr lIns="0" rIns="0" tIns="0" bIns="0">
+            <a:normAutofit/>
+          </a:bodyPr>
+          <a:p>
+            <a:endParaRPr b="0" lang="pt-BR" sz="3200" spc="-1" strike="noStrike">
               <a:latin typeface="Arial"/>
             </a:endParaRPr>
           </a:p>
@@ -184,7 +166,7 @@
       </p:grpSpPr>
       <p:sp>
         <p:nvSpPr>
-          <p:cNvPr id="26" name="PlaceHolder 1"/>
+          <p:cNvPr id="24" name="PlaceHolder 1"/>
           <p:cNvSpPr>
             <a:spLocks noGrp="1"/>
           </p:cNvSpPr>
@@ -202,26 +184,20 @@
           </a:prstGeom>
         </p:spPr>
         <p:txBody>
-          <a:bodyPr lIns="0" rIns="0" tIns="0" bIns="0" anchor="ctr"/>
+          <a:bodyPr lIns="0" rIns="0" tIns="0" bIns="0" anchor="ctr">
+            <a:noAutofit/>
+          </a:bodyPr>
           <a:p>
             <a:pPr algn="ctr"/>
             <a:endParaRPr b="0" lang="pt-BR" sz="4400" spc="-1" strike="noStrike">
-              <a:solidFill>
-                <a:srgbClr val="000000"/>
-              </a:solidFill>
-              <a:uFill>
-                <a:solidFill>
-                  <a:srgbClr val="ffffff"/>
-                </a:solidFill>
-              </a:uFill>
-              <a:latin typeface="Arial"/>
-            </a:endParaRPr>
-          </a:p>
-        </p:txBody>
-      </p:sp>
-      <p:sp>
-        <p:nvSpPr>
-          <p:cNvPr id="27" name="PlaceHolder 2"/>
+              <a:latin typeface="Arial"/>
+            </a:endParaRPr>
+          </a:p>
+        </p:txBody>
+      </p:sp>
+      <p:sp>
+        <p:nvSpPr>
+          <p:cNvPr id="25" name="PlaceHolder 2"/>
           <p:cNvSpPr>
             <a:spLocks noGrp="1"/>
           </p:cNvSpPr>
@@ -239,25 +215,19 @@
           </a:prstGeom>
         </p:spPr>
         <p:txBody>
-          <a:bodyPr lIns="0" rIns="0" tIns="0" bIns="0"/>
-          <a:p>
-            <a:endParaRPr b="0" lang="pt-BR" sz="3200" spc="-1" strike="noStrike">
-              <a:solidFill>
-                <a:srgbClr val="000000"/>
-              </a:solidFill>
-              <a:uFill>
-                <a:solidFill>
-                  <a:srgbClr val="ffffff"/>
-                </a:solidFill>
-              </a:uFill>
-              <a:latin typeface="Arial"/>
-            </a:endParaRPr>
-          </a:p>
-        </p:txBody>
-      </p:sp>
-      <p:sp>
-        <p:nvSpPr>
-          <p:cNvPr id="28" name="PlaceHolder 3"/>
+          <a:bodyPr lIns="0" rIns="0" tIns="0" bIns="0">
+            <a:normAutofit/>
+          </a:bodyPr>
+          <a:p>
+            <a:endParaRPr b="0" lang="pt-BR" sz="3200" spc="-1" strike="noStrike">
+              <a:latin typeface="Arial"/>
+            </a:endParaRPr>
+          </a:p>
+        </p:txBody>
+      </p:sp>
+      <p:sp>
+        <p:nvSpPr>
+          <p:cNvPr id="26" name="PlaceHolder 3"/>
           <p:cNvSpPr>
             <a:spLocks noGrp="1"/>
           </p:cNvSpPr>
@@ -275,25 +245,49 @@
           </a:prstGeom>
         </p:spPr>
         <p:txBody>
-          <a:bodyPr lIns="0" rIns="0" tIns="0" bIns="0"/>
-          <a:p>
-            <a:endParaRPr b="0" lang="pt-BR" sz="3200" spc="-1" strike="noStrike">
-              <a:solidFill>
-                <a:srgbClr val="000000"/>
-              </a:solidFill>
-              <a:uFill>
-                <a:solidFill>
-                  <a:srgbClr val="ffffff"/>
-                </a:solidFill>
-              </a:uFill>
-              <a:latin typeface="Arial"/>
-            </a:endParaRPr>
-          </a:p>
-        </p:txBody>
-      </p:sp>
-      <p:sp>
-        <p:nvSpPr>
-          <p:cNvPr id="29" name="PlaceHolder 4"/>
+          <a:bodyPr lIns="0" rIns="0" tIns="0" bIns="0">
+            <a:normAutofit/>
+          </a:bodyPr>
+          <a:p>
+            <a:endParaRPr b="0" lang="pt-BR" sz="3200" spc="-1" strike="noStrike">
+              <a:latin typeface="Arial"/>
+            </a:endParaRPr>
+          </a:p>
+        </p:txBody>
+      </p:sp>
+      <p:sp>
+        <p:nvSpPr>
+          <p:cNvPr id="27" name="PlaceHolder 4"/>
+          <p:cNvSpPr>
+            <a:spLocks noGrp="1"/>
+          </p:cNvSpPr>
+          <p:nvPr>
+            <p:ph type="body"/>
+          </p:nvPr>
+        </p:nvSpPr>
+        <p:spPr>
+          <a:xfrm>
+            <a:off x="1620000" y="23199120"/>
+            <a:ext cx="14231160" cy="11953080"/>
+          </a:xfrm>
+          <a:prstGeom prst="rect">
+            <a:avLst/>
+          </a:prstGeom>
+        </p:spPr>
+        <p:txBody>
+          <a:bodyPr lIns="0" rIns="0" tIns="0" bIns="0">
+            <a:normAutofit/>
+          </a:bodyPr>
+          <a:p>
+            <a:endParaRPr b="0" lang="pt-BR" sz="3200" spc="-1" strike="noStrike">
+              <a:latin typeface="Arial"/>
+            </a:endParaRPr>
+          </a:p>
+        </p:txBody>
+      </p:sp>
+      <p:sp>
+        <p:nvSpPr>
+          <p:cNvPr id="28" name="PlaceHolder 5"/>
           <p:cNvSpPr>
             <a:spLocks noGrp="1"/>
           </p:cNvSpPr>
@@ -311,53 +305,11 @@
           </a:prstGeom>
         </p:spPr>
         <p:txBody>
-          <a:bodyPr lIns="0" rIns="0" tIns="0" bIns="0"/>
-          <a:p>
-            <a:endParaRPr b="0" lang="pt-BR" sz="3200" spc="-1" strike="noStrike">
-              <a:solidFill>
-                <a:srgbClr val="000000"/>
-              </a:solidFill>
-              <a:uFill>
-                <a:solidFill>
-                  <a:srgbClr val="ffffff"/>
-                </a:solidFill>
-              </a:uFill>
-              <a:latin typeface="Arial"/>
-            </a:endParaRPr>
-          </a:p>
-        </p:txBody>
-      </p:sp>
-      <p:sp>
-        <p:nvSpPr>
-          <p:cNvPr id="30" name="PlaceHolder 5"/>
-          <p:cNvSpPr>
-            <a:spLocks noGrp="1"/>
-          </p:cNvSpPr>
-          <p:nvPr>
-            <p:ph type="body"/>
-          </p:nvPr>
-        </p:nvSpPr>
-        <p:spPr>
-          <a:xfrm>
-            <a:off x="1620000" y="23199120"/>
-            <a:ext cx="14231160" cy="11953080"/>
-          </a:xfrm>
-          <a:prstGeom prst="rect">
-            <a:avLst/>
-          </a:prstGeom>
-        </p:spPr>
-        <p:txBody>
-          <a:bodyPr lIns="0" rIns="0" tIns="0" bIns="0"/>
-          <a:p>
-            <a:endParaRPr b="0" lang="pt-BR" sz="3200" spc="-1" strike="noStrike">
-              <a:solidFill>
-                <a:srgbClr val="000000"/>
-              </a:solidFill>
-              <a:uFill>
-                <a:solidFill>
-                  <a:srgbClr val="ffffff"/>
-                </a:solidFill>
-              </a:uFill>
+          <a:bodyPr lIns="0" rIns="0" tIns="0" bIns="0">
+            <a:normAutofit/>
+          </a:bodyPr>
+          <a:p>
+            <a:endParaRPr b="0" lang="pt-BR" sz="3200" spc="-1" strike="noStrike">
               <a:latin typeface="Arial"/>
             </a:endParaRPr>
           </a:p>
@@ -387,7 +339,7 @@
       </p:grpSpPr>
       <p:sp>
         <p:nvSpPr>
-          <p:cNvPr id="31" name="PlaceHolder 1"/>
+          <p:cNvPr id="29" name="PlaceHolder 1"/>
           <p:cNvSpPr>
             <a:spLocks noGrp="1"/>
           </p:cNvSpPr>
@@ -405,26 +357,20 @@
           </a:prstGeom>
         </p:spPr>
         <p:txBody>
-          <a:bodyPr lIns="0" rIns="0" tIns="0" bIns="0" anchor="ctr"/>
+          <a:bodyPr lIns="0" rIns="0" tIns="0" bIns="0" anchor="ctr">
+            <a:noAutofit/>
+          </a:bodyPr>
           <a:p>
             <a:pPr algn="ctr"/>
             <a:endParaRPr b="0" lang="pt-BR" sz="4400" spc="-1" strike="noStrike">
-              <a:solidFill>
-                <a:srgbClr val="000000"/>
-              </a:solidFill>
-              <a:uFill>
-                <a:solidFill>
-                  <a:srgbClr val="ffffff"/>
-                </a:solidFill>
-              </a:uFill>
-              <a:latin typeface="Arial"/>
-            </a:endParaRPr>
-          </a:p>
-        </p:txBody>
-      </p:sp>
-      <p:sp>
-        <p:nvSpPr>
-          <p:cNvPr id="32" name="PlaceHolder 2"/>
+              <a:latin typeface="Arial"/>
+            </a:endParaRPr>
+          </a:p>
+        </p:txBody>
+      </p:sp>
+      <p:sp>
+        <p:nvSpPr>
+          <p:cNvPr id="30" name="PlaceHolder 2"/>
           <p:cNvSpPr>
             <a:spLocks noGrp="1"/>
           </p:cNvSpPr>
@@ -435,32 +381,26 @@
         <p:spPr>
           <a:xfrm>
             <a:off x="1620000" y="10110240"/>
-            <a:ext cx="29162880" cy="25059600"/>
-          </a:xfrm>
-          <a:prstGeom prst="rect">
-            <a:avLst/>
-          </a:prstGeom>
-        </p:spPr>
-        <p:txBody>
-          <a:bodyPr lIns="0" rIns="0" tIns="0" bIns="0"/>
-          <a:p>
-            <a:endParaRPr b="0" lang="pt-BR" sz="3200" spc="-1" strike="noStrike">
-              <a:solidFill>
-                <a:srgbClr val="000000"/>
-              </a:solidFill>
-              <a:uFill>
-                <a:solidFill>
-                  <a:srgbClr val="ffffff"/>
-                </a:solidFill>
-              </a:uFill>
-              <a:latin typeface="Arial"/>
-            </a:endParaRPr>
-          </a:p>
-        </p:txBody>
-      </p:sp>
-      <p:sp>
-        <p:nvSpPr>
-          <p:cNvPr id="33" name="PlaceHolder 3"/>
+            <a:ext cx="9390240" cy="11953080"/>
+          </a:xfrm>
+          <a:prstGeom prst="rect">
+            <a:avLst/>
+          </a:prstGeom>
+        </p:spPr>
+        <p:txBody>
+          <a:bodyPr lIns="0" rIns="0" tIns="0" bIns="0">
+            <a:normAutofit/>
+          </a:bodyPr>
+          <a:p>
+            <a:endParaRPr b="0" lang="pt-BR" sz="3200" spc="-1" strike="noStrike">
+              <a:latin typeface="Arial"/>
+            </a:endParaRPr>
+          </a:p>
+        </p:txBody>
+      </p:sp>
+      <p:sp>
+        <p:nvSpPr>
+          <p:cNvPr id="31" name="PlaceHolder 3"/>
           <p:cNvSpPr>
             <a:spLocks noGrp="1"/>
           </p:cNvSpPr>
@@ -470,76 +410,144 @@
         </p:nvSpPr>
         <p:spPr>
           <a:xfrm>
-            <a:off x="1620000" y="10110240"/>
-            <a:ext cx="29162880" cy="25059600"/>
-          </a:xfrm>
-          <a:prstGeom prst="rect">
-            <a:avLst/>
-          </a:prstGeom>
-        </p:spPr>
-        <p:txBody>
-          <a:bodyPr lIns="0" rIns="0" tIns="0" bIns="0"/>
-          <a:p>
-            <a:endParaRPr b="0" lang="pt-BR" sz="3200" spc="-1" strike="noStrike">
-              <a:solidFill>
-                <a:srgbClr val="000000"/>
-              </a:solidFill>
-              <a:uFill>
-                <a:solidFill>
-                  <a:srgbClr val="ffffff"/>
-                </a:solidFill>
-              </a:uFill>
-              <a:latin typeface="Arial"/>
-            </a:endParaRPr>
-          </a:p>
-        </p:txBody>
-      </p:sp>
-      <p:pic>
-        <p:nvPicPr>
-          <p:cNvPr id="34" name="" descr=""/>
-          <p:cNvPicPr/>
-          <p:nvPr/>
-        </p:nvPicPr>
-        <p:blipFill>
-          <a:blip r:embed="rId2"/>
-          <a:stretch/>
-        </p:blipFill>
-        <p:spPr>
-          <a:xfrm>
-            <a:off x="1620000" y="11005920"/>
-            <a:ext cx="29162880" cy="23268240"/>
-          </a:xfrm>
-          <a:prstGeom prst="rect">
-            <a:avLst/>
-          </a:prstGeom>
-          <a:ln>
-            <a:noFill/>
-          </a:ln>
-        </p:spPr>
-      </p:pic>
-      <p:pic>
-        <p:nvPicPr>
-          <p:cNvPr id="35" name="" descr=""/>
-          <p:cNvPicPr/>
-          <p:nvPr/>
-        </p:nvPicPr>
-        <p:blipFill>
-          <a:blip r:embed="rId3"/>
-          <a:stretch/>
-        </p:blipFill>
-        <p:spPr>
-          <a:xfrm>
-            <a:off x="1620000" y="11005920"/>
-            <a:ext cx="29162880" cy="23268240"/>
-          </a:xfrm>
-          <a:prstGeom prst="rect">
-            <a:avLst/>
-          </a:prstGeom>
-          <a:ln>
-            <a:noFill/>
-          </a:ln>
-        </p:spPr>
-      </p:pic>
+            <a:off x="11480040" y="10110240"/>
+            <a:ext cx="9390240" cy="11953080"/>
+          </a:xfrm>
+          <a:prstGeom prst="rect">
+            <a:avLst/>
+          </a:prstGeom>
+        </p:spPr>
+        <p:txBody>
+          <a:bodyPr lIns="0" rIns="0" tIns="0" bIns="0">
+            <a:normAutofit/>
+          </a:bodyPr>
+          <a:p>
+            <a:endParaRPr b="0" lang="pt-BR" sz="3200" spc="-1" strike="noStrike">
+              <a:latin typeface="Arial"/>
+            </a:endParaRPr>
+          </a:p>
+        </p:txBody>
+      </p:sp>
+      <p:sp>
+        <p:nvSpPr>
+          <p:cNvPr id="32" name="PlaceHolder 4"/>
+          <p:cNvSpPr>
+            <a:spLocks noGrp="1"/>
+          </p:cNvSpPr>
+          <p:nvPr>
+            <p:ph type="body"/>
+          </p:nvPr>
+        </p:nvSpPr>
+        <p:spPr>
+          <a:xfrm>
+            <a:off x="21340440" y="10110240"/>
+            <a:ext cx="9390240" cy="11953080"/>
+          </a:xfrm>
+          <a:prstGeom prst="rect">
+            <a:avLst/>
+          </a:prstGeom>
+        </p:spPr>
+        <p:txBody>
+          <a:bodyPr lIns="0" rIns="0" tIns="0" bIns="0">
+            <a:normAutofit/>
+          </a:bodyPr>
+          <a:p>
+            <a:endParaRPr b="0" lang="pt-BR" sz="3200" spc="-1" strike="noStrike">
+              <a:latin typeface="Arial"/>
+            </a:endParaRPr>
+          </a:p>
+        </p:txBody>
+      </p:sp>
+      <p:sp>
+        <p:nvSpPr>
+          <p:cNvPr id="33" name="PlaceHolder 5"/>
+          <p:cNvSpPr>
+            <a:spLocks noGrp="1"/>
+          </p:cNvSpPr>
+          <p:nvPr>
+            <p:ph type="body"/>
+          </p:nvPr>
+        </p:nvSpPr>
+        <p:spPr>
+          <a:xfrm>
+            <a:off x="1620000" y="23199120"/>
+            <a:ext cx="9390240" cy="11953080"/>
+          </a:xfrm>
+          <a:prstGeom prst="rect">
+            <a:avLst/>
+          </a:prstGeom>
+        </p:spPr>
+        <p:txBody>
+          <a:bodyPr lIns="0" rIns="0" tIns="0" bIns="0">
+            <a:normAutofit/>
+          </a:bodyPr>
+          <a:p>
+            <a:endParaRPr b="0" lang="pt-BR" sz="3200" spc="-1" strike="noStrike">
+              <a:latin typeface="Arial"/>
+            </a:endParaRPr>
+          </a:p>
+        </p:txBody>
+      </p:sp>
+      <p:sp>
+        <p:nvSpPr>
+          <p:cNvPr id="34" name="PlaceHolder 6"/>
+          <p:cNvSpPr>
+            <a:spLocks noGrp="1"/>
+          </p:cNvSpPr>
+          <p:nvPr>
+            <p:ph type="body"/>
+          </p:nvPr>
+        </p:nvSpPr>
+        <p:spPr>
+          <a:xfrm>
+            <a:off x="11480040" y="23199120"/>
+            <a:ext cx="9390240" cy="11953080"/>
+          </a:xfrm>
+          <a:prstGeom prst="rect">
+            <a:avLst/>
+          </a:prstGeom>
+        </p:spPr>
+        <p:txBody>
+          <a:bodyPr lIns="0" rIns="0" tIns="0" bIns="0">
+            <a:normAutofit/>
+          </a:bodyPr>
+          <a:p>
+            <a:endParaRPr b="0" lang="pt-BR" sz="3200" spc="-1" strike="noStrike">
+              <a:latin typeface="Arial"/>
+            </a:endParaRPr>
+          </a:p>
+        </p:txBody>
+      </p:sp>
+      <p:sp>
+        <p:nvSpPr>
+          <p:cNvPr id="35" name="PlaceHolder 7"/>
+          <p:cNvSpPr>
+            <a:spLocks noGrp="1"/>
+          </p:cNvSpPr>
+          <p:nvPr>
+            <p:ph type="body"/>
+          </p:nvPr>
+        </p:nvSpPr>
+        <p:spPr>
+          <a:xfrm>
+            <a:off x="21340440" y="23199120"/>
+            <a:ext cx="9390240" cy="11953080"/>
+          </a:xfrm>
+          <a:prstGeom prst="rect">
+            <a:avLst/>
+          </a:prstGeom>
+        </p:spPr>
+        <p:txBody>
+          <a:bodyPr lIns="0" rIns="0" tIns="0" bIns="0">
+            <a:normAutofit/>
+          </a:bodyPr>
+          <a:p>
+            <a:endParaRPr b="0" lang="pt-BR" sz="3200" spc="-1" strike="noStrike">
+              <a:latin typeface="Arial"/>
+            </a:endParaRPr>
+          </a:p>
+        </p:txBody>
+      </p:sp>
     </p:spTree>
   </p:cSld>
 </p:sldLayout>
@@ -564,7 +572,7 @@
       </p:grpSpPr>
       <p:sp>
         <p:nvSpPr>
-          <p:cNvPr id="2" name="PlaceHolder 1"/>
+          <p:cNvPr id="0" name="PlaceHolder 1"/>
           <p:cNvSpPr>
             <a:spLocks noGrp="1"/>
           </p:cNvSpPr>
@@ -582,26 +590,20 @@
           </a:prstGeom>
         </p:spPr>
         <p:txBody>
-          <a:bodyPr lIns="0" rIns="0" tIns="0" bIns="0" anchor="ctr"/>
+          <a:bodyPr lIns="0" rIns="0" tIns="0" bIns="0" anchor="ctr">
+            <a:noAutofit/>
+          </a:bodyPr>
           <a:p>
             <a:pPr algn="ctr"/>
             <a:endParaRPr b="0" lang="pt-BR" sz="4400" spc="-1" strike="noStrike">
-              <a:solidFill>
-                <a:srgbClr val="000000"/>
-              </a:solidFill>
-              <a:uFill>
-                <a:solidFill>
-                  <a:srgbClr val="ffffff"/>
-                </a:solidFill>
-              </a:uFill>
-              <a:latin typeface="Arial"/>
-            </a:endParaRPr>
-          </a:p>
-        </p:txBody>
-      </p:sp>
-      <p:sp>
-        <p:nvSpPr>
-          <p:cNvPr id="3" name="PlaceHolder 2"/>
+              <a:latin typeface="Arial"/>
+            </a:endParaRPr>
+          </a:p>
+        </p:txBody>
+      </p:sp>
+      <p:sp>
+        <p:nvSpPr>
+          <p:cNvPr id="1" name="PlaceHolder 2"/>
           <p:cNvSpPr>
             <a:spLocks noGrp="1"/>
           </p:cNvSpPr>
@@ -619,18 +621,12 @@
           </a:prstGeom>
         </p:spPr>
         <p:txBody>
-          <a:bodyPr lIns="0" rIns="0" tIns="0" bIns="0" anchor="ctr"/>
+          <a:bodyPr lIns="0" rIns="0" tIns="0" bIns="0" anchor="ctr">
+            <a:noAutofit/>
+          </a:bodyPr>
           <a:p>
             <a:pPr algn="ctr"/>
             <a:endParaRPr b="0" lang="pt-BR" sz="3200" spc="-1" strike="noStrike">
-              <a:solidFill>
-                <a:srgbClr val="000000"/>
-              </a:solidFill>
-              <a:uFill>
-                <a:solidFill>
-                  <a:srgbClr val="ffffff"/>
-                </a:solidFill>
-              </a:uFill>
               <a:latin typeface="Arial"/>
             </a:endParaRPr>
           </a:p>
@@ -660,7 +656,7 @@
       </p:grpSpPr>
       <p:sp>
         <p:nvSpPr>
-          <p:cNvPr id="4" name="PlaceHolder 1"/>
+          <p:cNvPr id="2" name="PlaceHolder 1"/>
           <p:cNvSpPr>
             <a:spLocks noGrp="1"/>
           </p:cNvSpPr>
@@ -678,26 +674,20 @@
           </a:prstGeom>
         </p:spPr>
         <p:txBody>
-          <a:bodyPr lIns="0" rIns="0" tIns="0" bIns="0" anchor="ctr"/>
+          <a:bodyPr lIns="0" rIns="0" tIns="0" bIns="0" anchor="ctr">
+            <a:noAutofit/>
+          </a:bodyPr>
           <a:p>
             <a:pPr algn="ctr"/>
             <a:endParaRPr b="0" lang="pt-BR" sz="4400" spc="-1" strike="noStrike">
-              <a:solidFill>
-                <a:srgbClr val="000000"/>
-              </a:solidFill>
-              <a:uFill>
-                <a:solidFill>
-                  <a:srgbClr val="ffffff"/>
-                </a:solidFill>
-              </a:uFill>
-              <a:latin typeface="Arial"/>
-            </a:endParaRPr>
-          </a:p>
-        </p:txBody>
-      </p:sp>
-      <p:sp>
-        <p:nvSpPr>
-          <p:cNvPr id="5" name="PlaceHolder 2"/>
+              <a:latin typeface="Arial"/>
+            </a:endParaRPr>
+          </a:p>
+        </p:txBody>
+      </p:sp>
+      <p:sp>
+        <p:nvSpPr>
+          <p:cNvPr id="3" name="PlaceHolder 2"/>
           <p:cNvSpPr>
             <a:spLocks noGrp="1"/>
           </p:cNvSpPr>
@@ -715,17 +705,11 @@
           </a:prstGeom>
         </p:spPr>
         <p:txBody>
-          <a:bodyPr lIns="0" rIns="0" tIns="0" bIns="0"/>
-          <a:p>
-            <a:endParaRPr b="0" lang="pt-BR" sz="3200" spc="-1" strike="noStrike">
-              <a:solidFill>
-                <a:srgbClr val="000000"/>
-              </a:solidFill>
-              <a:uFill>
-                <a:solidFill>
-                  <a:srgbClr val="ffffff"/>
-                </a:solidFill>
-              </a:uFill>
+          <a:bodyPr lIns="0" rIns="0" tIns="0" bIns="0">
+            <a:normAutofit/>
+          </a:bodyPr>
+          <a:p>
+            <a:endParaRPr b="0" lang="pt-BR" sz="3200" spc="-1" strike="noStrike">
               <a:latin typeface="Arial"/>
             </a:endParaRPr>
           </a:p>
@@ -755,7 +739,7 @@
       </p:grpSpPr>
       <p:sp>
         <p:nvSpPr>
-          <p:cNvPr id="6" name="PlaceHolder 1"/>
+          <p:cNvPr id="4" name="PlaceHolder 1"/>
           <p:cNvSpPr>
             <a:spLocks noGrp="1"/>
           </p:cNvSpPr>
@@ -773,26 +757,20 @@
           </a:prstGeom>
         </p:spPr>
         <p:txBody>
-          <a:bodyPr lIns="0" rIns="0" tIns="0" bIns="0" anchor="ctr"/>
+          <a:bodyPr lIns="0" rIns="0" tIns="0" bIns="0" anchor="ctr">
+            <a:noAutofit/>
+          </a:bodyPr>
           <a:p>
             <a:pPr algn="ctr"/>
             <a:endParaRPr b="0" lang="pt-BR" sz="4400" spc="-1" strike="noStrike">
-              <a:solidFill>
-                <a:srgbClr val="000000"/>
-              </a:solidFill>
-              <a:uFill>
-                <a:solidFill>
-                  <a:srgbClr val="ffffff"/>
-                </a:solidFill>
-              </a:uFill>
-              <a:latin typeface="Arial"/>
-            </a:endParaRPr>
-          </a:p>
-        </p:txBody>
-      </p:sp>
-      <p:sp>
-        <p:nvSpPr>
-          <p:cNvPr id="7" name="PlaceHolder 2"/>
+              <a:latin typeface="Arial"/>
+            </a:endParaRPr>
+          </a:p>
+        </p:txBody>
+      </p:sp>
+      <p:sp>
+        <p:nvSpPr>
+          <p:cNvPr id="5" name="PlaceHolder 2"/>
           <p:cNvSpPr>
             <a:spLocks noGrp="1"/>
           </p:cNvSpPr>
@@ -810,25 +788,19 @@
           </a:prstGeom>
         </p:spPr>
         <p:txBody>
-          <a:bodyPr lIns="0" rIns="0" tIns="0" bIns="0"/>
-          <a:p>
-            <a:endParaRPr b="0" lang="pt-BR" sz="3200" spc="-1" strike="noStrike">
-              <a:solidFill>
-                <a:srgbClr val="000000"/>
-              </a:solidFill>
-              <a:uFill>
-                <a:solidFill>
-                  <a:srgbClr val="ffffff"/>
-                </a:solidFill>
-              </a:uFill>
-              <a:latin typeface="Arial"/>
-            </a:endParaRPr>
-          </a:p>
-        </p:txBody>
-      </p:sp>
-      <p:sp>
-        <p:nvSpPr>
-          <p:cNvPr id="8" name="PlaceHolder 3"/>
+          <a:bodyPr lIns="0" rIns="0" tIns="0" bIns="0">
+            <a:normAutofit/>
+          </a:bodyPr>
+          <a:p>
+            <a:endParaRPr b="0" lang="pt-BR" sz="3200" spc="-1" strike="noStrike">
+              <a:latin typeface="Arial"/>
+            </a:endParaRPr>
+          </a:p>
+        </p:txBody>
+      </p:sp>
+      <p:sp>
+        <p:nvSpPr>
+          <p:cNvPr id="6" name="PlaceHolder 3"/>
           <p:cNvSpPr>
             <a:spLocks noGrp="1"/>
           </p:cNvSpPr>
@@ -846,17 +818,11 @@
           </a:prstGeom>
         </p:spPr>
         <p:txBody>
-          <a:bodyPr lIns="0" rIns="0" tIns="0" bIns="0"/>
-          <a:p>
-            <a:endParaRPr b="0" lang="pt-BR" sz="3200" spc="-1" strike="noStrike">
-              <a:solidFill>
-                <a:srgbClr val="000000"/>
-              </a:solidFill>
-              <a:uFill>
-                <a:solidFill>
-                  <a:srgbClr val="ffffff"/>
-                </a:solidFill>
-              </a:uFill>
+          <a:bodyPr lIns="0" rIns="0" tIns="0" bIns="0">
+            <a:normAutofit/>
+          </a:bodyPr>
+          <a:p>
+            <a:endParaRPr b="0" lang="pt-BR" sz="3200" spc="-1" strike="noStrike">
               <a:latin typeface="Arial"/>
             </a:endParaRPr>
           </a:p>
@@ -886,7 +852,7 @@
       </p:grpSpPr>
       <p:sp>
         <p:nvSpPr>
-          <p:cNvPr id="9" name="PlaceHolder 1"/>
+          <p:cNvPr id="7" name="PlaceHolder 1"/>
           <p:cNvSpPr>
             <a:spLocks noGrp="1"/>
           </p:cNvSpPr>
@@ -904,18 +870,12 @@
           </a:prstGeom>
         </p:spPr>
         <p:txBody>
-          <a:bodyPr lIns="0" rIns="0" tIns="0" bIns="0" anchor="ctr"/>
+          <a:bodyPr lIns="0" rIns="0" tIns="0" bIns="0" anchor="ctr">
+            <a:noAutofit/>
+          </a:bodyPr>
           <a:p>
             <a:pPr algn="ctr"/>
             <a:endParaRPr b="0" lang="pt-BR" sz="4400" spc="-1" strike="noStrike">
-              <a:solidFill>
-                <a:srgbClr val="000000"/>
-              </a:solidFill>
-              <a:uFill>
-                <a:solidFill>
-                  <a:srgbClr val="ffffff"/>
-                </a:solidFill>
-              </a:uFill>
               <a:latin typeface="Arial"/>
             </a:endParaRPr>
           </a:p>
@@ -945,7 +905,7 @@
       </p:grpSpPr>
       <p:sp>
         <p:nvSpPr>
-          <p:cNvPr id="10" name="PlaceHolder 1"/>
+          <p:cNvPr id="8" name="PlaceHolder 1"/>
           <p:cNvSpPr>
             <a:spLocks noGrp="1"/>
           </p:cNvSpPr>
@@ -963,18 +923,12 @@
           </a:prstGeom>
         </p:spPr>
         <p:txBody>
-          <a:bodyPr lIns="0" rIns="0" tIns="0" bIns="0" anchor="ctr"/>
+          <a:bodyPr lIns="0" rIns="0" tIns="0" bIns="0" anchor="ctr">
+            <a:noAutofit/>
+          </a:bodyPr>
           <a:p>
             <a:pPr algn="ctr"/>
             <a:endParaRPr b="0" lang="pt-BR" sz="3200" spc="-1" strike="noStrike">
-              <a:solidFill>
-                <a:srgbClr val="000000"/>
-              </a:solidFill>
-              <a:uFill>
-                <a:solidFill>
-                  <a:srgbClr val="ffffff"/>
-                </a:solidFill>
-              </a:uFill>
               <a:latin typeface="Arial"/>
             </a:endParaRPr>
           </a:p>
@@ -1004,7 +958,7 @@
       </p:grpSpPr>
       <p:sp>
         <p:nvSpPr>
-          <p:cNvPr id="11" name="PlaceHolder 1"/>
+          <p:cNvPr id="9" name="PlaceHolder 1"/>
           <p:cNvSpPr>
             <a:spLocks noGrp="1"/>
           </p:cNvSpPr>
@@ -1022,26 +976,20 @@
           </a:prstGeom>
         </p:spPr>
         <p:txBody>
-          <a:bodyPr lIns="0" rIns="0" tIns="0" bIns="0" anchor="ctr"/>
+          <a:bodyPr lIns="0" rIns="0" tIns="0" bIns="0" anchor="ctr">
+            <a:noAutofit/>
+          </a:bodyPr>
           <a:p>
             <a:pPr algn="ctr"/>
             <a:endParaRPr b="0" lang="pt-BR" sz="4400" spc="-1" strike="noStrike">
-              <a:solidFill>
-                <a:srgbClr val="000000"/>
-              </a:solidFill>
-              <a:uFill>
-                <a:solidFill>
-                  <a:srgbClr val="ffffff"/>
-                </a:solidFill>
-              </a:uFill>
-              <a:latin typeface="Arial"/>
-            </a:endParaRPr>
-          </a:p>
-        </p:txBody>
-      </p:sp>
-      <p:sp>
-        <p:nvSpPr>
-          <p:cNvPr id="12" name="PlaceHolder 2"/>
+              <a:latin typeface="Arial"/>
+            </a:endParaRPr>
+          </a:p>
+        </p:txBody>
+      </p:sp>
+      <p:sp>
+        <p:nvSpPr>
+          <p:cNvPr id="10" name="PlaceHolder 2"/>
           <p:cNvSpPr>
             <a:spLocks noGrp="1"/>
           </p:cNvSpPr>
@@ -1059,25 +1007,49 @@
           </a:prstGeom>
         </p:spPr>
         <p:txBody>
-          <a:bodyPr lIns="0" rIns="0" tIns="0" bIns="0"/>
-          <a:p>
-            <a:endParaRPr b="0" lang="pt-BR" sz="3200" spc="-1" strike="noStrike">
-              <a:solidFill>
-                <a:srgbClr val="000000"/>
-              </a:solidFill>
-              <a:uFill>
-                <a:solidFill>
-                  <a:srgbClr val="ffffff"/>
-                </a:solidFill>
-              </a:uFill>
-              <a:latin typeface="Arial"/>
-            </a:endParaRPr>
-          </a:p>
-        </p:txBody>
-      </p:sp>
-      <p:sp>
-        <p:nvSpPr>
-          <p:cNvPr id="13" name="PlaceHolder 3"/>
+          <a:bodyPr lIns="0" rIns="0" tIns="0" bIns="0">
+            <a:normAutofit/>
+          </a:bodyPr>
+          <a:p>
+            <a:endParaRPr b="0" lang="pt-BR" sz="3200" spc="-1" strike="noStrike">
+              <a:latin typeface="Arial"/>
+            </a:endParaRPr>
+          </a:p>
+        </p:txBody>
+      </p:sp>
+      <p:sp>
+        <p:nvSpPr>
+          <p:cNvPr id="11" name="PlaceHolder 3"/>
+          <p:cNvSpPr>
+            <a:spLocks noGrp="1"/>
+          </p:cNvSpPr>
+          <p:nvPr>
+            <p:ph type="body"/>
+          </p:nvPr>
+        </p:nvSpPr>
+        <p:spPr>
+          <a:xfrm>
+            <a:off x="16563240" y="10110240"/>
+            <a:ext cx="14231160" cy="25059600"/>
+          </a:xfrm>
+          <a:prstGeom prst="rect">
+            <a:avLst/>
+          </a:prstGeom>
+        </p:spPr>
+        <p:txBody>
+          <a:bodyPr lIns="0" rIns="0" tIns="0" bIns="0">
+            <a:normAutofit/>
+          </a:bodyPr>
+          <a:p>
+            <a:endParaRPr b="0" lang="pt-BR" sz="3200" spc="-1" strike="noStrike">
+              <a:latin typeface="Arial"/>
+            </a:endParaRPr>
+          </a:p>
+        </p:txBody>
+      </p:sp>
+      <p:sp>
+        <p:nvSpPr>
+          <p:cNvPr id="12" name="PlaceHolder 4"/>
           <p:cNvSpPr>
             <a:spLocks noGrp="1"/>
           </p:cNvSpPr>
@@ -1095,53 +1067,11 @@
           </a:prstGeom>
         </p:spPr>
         <p:txBody>
-          <a:bodyPr lIns="0" rIns="0" tIns="0" bIns="0"/>
-          <a:p>
-            <a:endParaRPr b="0" lang="pt-BR" sz="3200" spc="-1" strike="noStrike">
-              <a:solidFill>
-                <a:srgbClr val="000000"/>
-              </a:solidFill>
-              <a:uFill>
-                <a:solidFill>
-                  <a:srgbClr val="ffffff"/>
-                </a:solidFill>
-              </a:uFill>
-              <a:latin typeface="Arial"/>
-            </a:endParaRPr>
-          </a:p>
-        </p:txBody>
-      </p:sp>
-      <p:sp>
-        <p:nvSpPr>
-          <p:cNvPr id="14" name="PlaceHolder 4"/>
-          <p:cNvSpPr>
-            <a:spLocks noGrp="1"/>
-          </p:cNvSpPr>
-          <p:nvPr>
-            <p:ph type="body"/>
-          </p:nvPr>
-        </p:nvSpPr>
-        <p:spPr>
-          <a:xfrm>
-            <a:off x="16563240" y="10110240"/>
-            <a:ext cx="14231160" cy="25059600"/>
-          </a:xfrm>
-          <a:prstGeom prst="rect">
-            <a:avLst/>
-          </a:prstGeom>
-        </p:spPr>
-        <p:txBody>
-          <a:bodyPr lIns="0" rIns="0" tIns="0" bIns="0"/>
-          <a:p>
-            <a:endParaRPr b="0" lang="pt-BR" sz="3200" spc="-1" strike="noStrike">
-              <a:solidFill>
-                <a:srgbClr val="000000"/>
-              </a:solidFill>
-              <a:uFill>
-                <a:solidFill>
-                  <a:srgbClr val="ffffff"/>
-                </a:solidFill>
-              </a:uFill>
+          <a:bodyPr lIns="0" rIns="0" tIns="0" bIns="0">
+            <a:normAutofit/>
+          </a:bodyPr>
+          <a:p>
+            <a:endParaRPr b="0" lang="pt-BR" sz="3200" spc="-1" strike="noStrike">
               <a:latin typeface="Arial"/>
             </a:endParaRPr>
           </a:p>
@@ -1171,7 +1101,7 @@
       </p:grpSpPr>
       <p:sp>
         <p:nvSpPr>
-          <p:cNvPr id="15" name="PlaceHolder 1"/>
+          <p:cNvPr id="13" name="PlaceHolder 1"/>
           <p:cNvSpPr>
             <a:spLocks noGrp="1"/>
           </p:cNvSpPr>
@@ -1189,26 +1119,20 @@
           </a:prstGeom>
         </p:spPr>
         <p:txBody>
-          <a:bodyPr lIns="0" rIns="0" tIns="0" bIns="0" anchor="ctr"/>
+          <a:bodyPr lIns="0" rIns="0" tIns="0" bIns="0" anchor="ctr">
+            <a:noAutofit/>
+          </a:bodyPr>
           <a:p>
             <a:pPr algn="ctr"/>
             <a:endParaRPr b="0" lang="pt-BR" sz="4400" spc="-1" strike="noStrike">
-              <a:solidFill>
-                <a:srgbClr val="000000"/>
-              </a:solidFill>
-              <a:uFill>
-                <a:solidFill>
-                  <a:srgbClr val="ffffff"/>
-                </a:solidFill>
-              </a:uFill>
-              <a:latin typeface="Arial"/>
-            </a:endParaRPr>
-          </a:p>
-        </p:txBody>
-      </p:sp>
-      <p:sp>
-        <p:nvSpPr>
-          <p:cNvPr id="16" name="PlaceHolder 2"/>
+              <a:latin typeface="Arial"/>
+            </a:endParaRPr>
+          </a:p>
+        </p:txBody>
+      </p:sp>
+      <p:sp>
+        <p:nvSpPr>
+          <p:cNvPr id="14" name="PlaceHolder 2"/>
           <p:cNvSpPr>
             <a:spLocks noGrp="1"/>
           </p:cNvSpPr>
@@ -1226,25 +1150,19 @@
           </a:prstGeom>
         </p:spPr>
         <p:txBody>
-          <a:bodyPr lIns="0" rIns="0" tIns="0" bIns="0"/>
-          <a:p>
-            <a:endParaRPr b="0" lang="pt-BR" sz="3200" spc="-1" strike="noStrike">
-              <a:solidFill>
-                <a:srgbClr val="000000"/>
-              </a:solidFill>
-              <a:uFill>
-                <a:solidFill>
-                  <a:srgbClr val="ffffff"/>
-                </a:solidFill>
-              </a:uFill>
-              <a:latin typeface="Arial"/>
-            </a:endParaRPr>
-          </a:p>
-        </p:txBody>
-      </p:sp>
-      <p:sp>
-        <p:nvSpPr>
-          <p:cNvPr id="17" name="PlaceHolder 3"/>
+          <a:bodyPr lIns="0" rIns="0" tIns="0" bIns="0">
+            <a:normAutofit/>
+          </a:bodyPr>
+          <a:p>
+            <a:endParaRPr b="0" lang="pt-BR" sz="3200" spc="-1" strike="noStrike">
+              <a:latin typeface="Arial"/>
+            </a:endParaRPr>
+          </a:p>
+        </p:txBody>
+      </p:sp>
+      <p:sp>
+        <p:nvSpPr>
+          <p:cNvPr id="15" name="PlaceHolder 3"/>
           <p:cNvSpPr>
             <a:spLocks noGrp="1"/>
           </p:cNvSpPr>
@@ -1262,25 +1180,19 @@
           </a:prstGeom>
         </p:spPr>
         <p:txBody>
-          <a:bodyPr lIns="0" rIns="0" tIns="0" bIns="0"/>
-          <a:p>
-            <a:endParaRPr b="0" lang="pt-BR" sz="3200" spc="-1" strike="noStrike">
-              <a:solidFill>
-                <a:srgbClr val="000000"/>
-              </a:solidFill>
-              <a:uFill>
-                <a:solidFill>
-                  <a:srgbClr val="ffffff"/>
-                </a:solidFill>
-              </a:uFill>
-              <a:latin typeface="Arial"/>
-            </a:endParaRPr>
-          </a:p>
-        </p:txBody>
-      </p:sp>
-      <p:sp>
-        <p:nvSpPr>
-          <p:cNvPr id="18" name="PlaceHolder 4"/>
+          <a:bodyPr lIns="0" rIns="0" tIns="0" bIns="0">
+            <a:normAutofit/>
+          </a:bodyPr>
+          <a:p>
+            <a:endParaRPr b="0" lang="pt-BR" sz="3200" spc="-1" strike="noStrike">
+              <a:latin typeface="Arial"/>
+            </a:endParaRPr>
+          </a:p>
+        </p:txBody>
+      </p:sp>
+      <p:sp>
+        <p:nvSpPr>
+          <p:cNvPr id="16" name="PlaceHolder 4"/>
           <p:cNvSpPr>
             <a:spLocks noGrp="1"/>
           </p:cNvSpPr>
@@ -1298,17 +1210,11 @@
           </a:prstGeom>
         </p:spPr>
         <p:txBody>
-          <a:bodyPr lIns="0" rIns="0" tIns="0" bIns="0"/>
-          <a:p>
-            <a:endParaRPr b="0" lang="pt-BR" sz="3200" spc="-1" strike="noStrike">
-              <a:solidFill>
-                <a:srgbClr val="000000"/>
-              </a:solidFill>
-              <a:uFill>
-                <a:solidFill>
-                  <a:srgbClr val="ffffff"/>
-                </a:solidFill>
-              </a:uFill>
+          <a:bodyPr lIns="0" rIns="0" tIns="0" bIns="0">
+            <a:normAutofit/>
+          </a:bodyPr>
+          <a:p>
+            <a:endParaRPr b="0" lang="pt-BR" sz="3200" spc="-1" strike="noStrike">
               <a:latin typeface="Arial"/>
             </a:endParaRPr>
           </a:p>
@@ -1338,7 +1244,7 @@
       </p:grpSpPr>
       <p:sp>
         <p:nvSpPr>
-          <p:cNvPr id="19" name="PlaceHolder 1"/>
+          <p:cNvPr id="17" name="PlaceHolder 1"/>
           <p:cNvSpPr>
             <a:spLocks noGrp="1"/>
           </p:cNvSpPr>
@@ -1356,26 +1262,20 @@
           </a:prstGeom>
         </p:spPr>
         <p:txBody>
-          <a:bodyPr lIns="0" rIns="0" tIns="0" bIns="0" anchor="ctr"/>
+          <a:bodyPr lIns="0" rIns="0" tIns="0" bIns="0" anchor="ctr">
+            <a:noAutofit/>
+          </a:bodyPr>
           <a:p>
             <a:pPr algn="ctr"/>
             <a:endParaRPr b="0" lang="pt-BR" sz="4400" spc="-1" strike="noStrike">
-              <a:solidFill>
-                <a:srgbClr val="000000"/>
-              </a:solidFill>
-              <a:uFill>
-                <a:solidFill>
-                  <a:srgbClr val="ffffff"/>
-                </a:solidFill>
-              </a:uFill>
-              <a:latin typeface="Arial"/>
-            </a:endParaRPr>
-          </a:p>
-        </p:txBody>
-      </p:sp>
-      <p:sp>
-        <p:nvSpPr>
-          <p:cNvPr id="20" name="PlaceHolder 2"/>
+              <a:latin typeface="Arial"/>
+            </a:endParaRPr>
+          </a:p>
+        </p:txBody>
+      </p:sp>
+      <p:sp>
+        <p:nvSpPr>
+          <p:cNvPr id="18" name="PlaceHolder 2"/>
           <p:cNvSpPr>
             <a:spLocks noGrp="1"/>
           </p:cNvSpPr>
@@ -1393,25 +1293,19 @@
           </a:prstGeom>
         </p:spPr>
         <p:txBody>
-          <a:bodyPr lIns="0" rIns="0" tIns="0" bIns="0"/>
-          <a:p>
-            <a:endParaRPr b="0" lang="pt-BR" sz="3200" spc="-1" strike="noStrike">
-              <a:solidFill>
-                <a:srgbClr val="000000"/>
-              </a:solidFill>
-              <a:uFill>
-                <a:solidFill>
-                  <a:srgbClr val="ffffff"/>
-                </a:solidFill>
-              </a:uFill>
-              <a:latin typeface="Arial"/>
-            </a:endParaRPr>
-          </a:p>
-        </p:txBody>
-      </p:sp>
-      <p:sp>
-        <p:nvSpPr>
-          <p:cNvPr id="21" name="PlaceHolder 3"/>
+          <a:bodyPr lIns="0" rIns="0" tIns="0" bIns="0">
+            <a:normAutofit/>
+          </a:bodyPr>
+          <a:p>
+            <a:endParaRPr b="0" lang="pt-BR" sz="3200" spc="-1" strike="noStrike">
+              <a:latin typeface="Arial"/>
+            </a:endParaRPr>
+          </a:p>
+        </p:txBody>
+      </p:sp>
+      <p:sp>
+        <p:nvSpPr>
+          <p:cNvPr id="19" name="PlaceHolder 3"/>
           <p:cNvSpPr>
             <a:spLocks noGrp="1"/>
           </p:cNvSpPr>
@@ -1429,25 +1323,19 @@
           </a:prstGeom>
         </p:spPr>
         <p:txBody>
-          <a:bodyPr lIns="0" rIns="0" tIns="0" bIns="0"/>
-          <a:p>
-            <a:endParaRPr b="0" lang="pt-BR" sz="3200" spc="-1" strike="noStrike">
-              <a:solidFill>
-                <a:srgbClr val="000000"/>
-              </a:solidFill>
-              <a:uFill>
-                <a:solidFill>
-                  <a:srgbClr val="ffffff"/>
-                </a:solidFill>
-              </a:uFill>
-              <a:latin typeface="Arial"/>
-            </a:endParaRPr>
-          </a:p>
-        </p:txBody>
-      </p:sp>
-      <p:sp>
-        <p:nvSpPr>
-          <p:cNvPr id="22" name="PlaceHolder 4"/>
+          <a:bodyPr lIns="0" rIns="0" tIns="0" bIns="0">
+            <a:normAutofit/>
+          </a:bodyPr>
+          <a:p>
+            <a:endParaRPr b="0" lang="pt-BR" sz="3200" spc="-1" strike="noStrike">
+              <a:latin typeface="Arial"/>
+            </a:endParaRPr>
+          </a:p>
+        </p:txBody>
+      </p:sp>
+      <p:sp>
+        <p:nvSpPr>
+          <p:cNvPr id="20" name="PlaceHolder 4"/>
           <p:cNvSpPr>
             <a:spLocks noGrp="1"/>
           </p:cNvSpPr>
@@ -1465,17 +1353,11 @@
           </a:prstGeom>
         </p:spPr>
         <p:txBody>
-          <a:bodyPr lIns="0" rIns="0" tIns="0" bIns="0"/>
-          <a:p>
-            <a:endParaRPr b="0" lang="pt-BR" sz="3200" spc="-1" strike="noStrike">
-              <a:solidFill>
-                <a:srgbClr val="000000"/>
-              </a:solidFill>
-              <a:uFill>
-                <a:solidFill>
-                  <a:srgbClr val="ffffff"/>
-                </a:solidFill>
-              </a:uFill>
+          <a:bodyPr lIns="0" rIns="0" tIns="0" bIns="0">
+            <a:normAutofit/>
+          </a:bodyPr>
+          <a:p>
+            <a:endParaRPr b="0" lang="pt-BR" sz="3200" spc="-1" strike="noStrike">
               <a:latin typeface="Arial"/>
             </a:endParaRPr>
           </a:p>
@@ -1510,325 +1392,6 @@
           <a:chExt cx="0" cy="0"/>
         </a:xfrm>
       </p:grpSpPr>
-      <p:sp>
-        <p:nvSpPr>
-          <p:cNvPr id="0" name="PlaceHolder 1"/>
-          <p:cNvSpPr>
-            <a:spLocks noGrp="1"/>
-          </p:cNvSpPr>
-          <p:nvPr>
-            <p:ph type="title"/>
-          </p:nvPr>
-        </p:nvSpPr>
-        <p:spPr>
-          <a:xfrm>
-            <a:off x="1620000" y="1723680"/>
-            <a:ext cx="29162880" cy="7215120"/>
-          </a:xfrm>
-          <a:prstGeom prst="rect">
-            <a:avLst/>
-          </a:prstGeom>
-        </p:spPr>
-        <p:txBody>
-          <a:bodyPr lIns="0" rIns="0" tIns="0" bIns="0" anchor="ctr"/>
-          <a:p>
-            <a:pPr algn="ctr"/>
-            <a:r>
-              <a:rPr b="0" lang="pt-BR" sz="4400" spc="-1" strike="noStrike">
-                <a:solidFill>
-                  <a:srgbClr val="000000"/>
-                </a:solidFill>
-                <a:uFill>
-                  <a:solidFill>
-                    <a:srgbClr val="ffffff"/>
-                  </a:solidFill>
-                </a:uFill>
-                <a:latin typeface="Arial"/>
-              </a:rPr>
-              <a:t>Click to edit the title text format</a:t>
-            </a:r>
-            <a:endParaRPr b="0" lang="pt-BR" sz="4400" spc="-1" strike="noStrike">
-              <a:solidFill>
-                <a:srgbClr val="000000"/>
-              </a:solidFill>
-              <a:uFill>
-                <a:solidFill>
-                  <a:srgbClr val="ffffff"/>
-                </a:solidFill>
-              </a:uFill>
-              <a:latin typeface="Arial"/>
-            </a:endParaRPr>
-          </a:p>
-        </p:txBody>
-      </p:sp>
-      <p:sp>
-        <p:nvSpPr>
-          <p:cNvPr id="1" name="PlaceHolder 2"/>
-          <p:cNvSpPr>
-            <a:spLocks noGrp="1"/>
-          </p:cNvSpPr>
-          <p:nvPr>
-            <p:ph type="body"/>
-          </p:nvPr>
-        </p:nvSpPr>
-        <p:spPr>
-          <a:xfrm>
-            <a:off x="1620000" y="10110240"/>
-            <a:ext cx="29162880" cy="25059600"/>
-          </a:xfrm>
-          <a:prstGeom prst="rect">
-            <a:avLst/>
-          </a:prstGeom>
-        </p:spPr>
-        <p:txBody>
-          <a:bodyPr lIns="0" rIns="0" tIns="0" bIns="0"/>
-          <a:p>
-            <a:pPr marL="432000" indent="-324000">
-              <a:buClr>
-                <a:srgbClr val="000000"/>
-              </a:buClr>
-              <a:buSzPct val="45000"/>
-              <a:buFont typeface="Wingdings" charset="2"/>
-              <a:buChar char=""/>
-            </a:pPr>
-            <a:r>
-              <a:rPr b="0" lang="pt-BR" sz="3200" spc="-1" strike="noStrike">
-                <a:solidFill>
-                  <a:srgbClr val="000000"/>
-                </a:solidFill>
-                <a:uFill>
-                  <a:solidFill>
-                    <a:srgbClr val="ffffff"/>
-                  </a:solidFill>
-                </a:uFill>
-                <a:latin typeface="Arial"/>
-              </a:rPr>
-              <a:t>Click to edit the outline text format</a:t>
-            </a:r>
-            <a:endParaRPr b="0" lang="pt-BR" sz="3200" spc="-1" strike="noStrike">
-              <a:solidFill>
-                <a:srgbClr val="000000"/>
-              </a:solidFill>
-              <a:uFill>
-                <a:solidFill>
-                  <a:srgbClr val="ffffff"/>
-                </a:solidFill>
-              </a:uFill>
-              <a:latin typeface="Arial"/>
-            </a:endParaRPr>
-          </a:p>
-          <a:p>
-            <a:pPr lvl="1" marL="864000" indent="-324000">
-              <a:buClr>
-                <a:srgbClr val="000000"/>
-              </a:buClr>
-              <a:buSzPct val="75000"/>
-              <a:buFont typeface="Symbol" charset="2"/>
-              <a:buChar char=""/>
-            </a:pPr>
-            <a:r>
-              <a:rPr b="0" lang="pt-BR" sz="2800" spc="-1" strike="noStrike">
-                <a:solidFill>
-                  <a:srgbClr val="000000"/>
-                </a:solidFill>
-                <a:uFill>
-                  <a:solidFill>
-                    <a:srgbClr val="ffffff"/>
-                  </a:solidFill>
-                </a:uFill>
-                <a:latin typeface="Arial"/>
-              </a:rPr>
-              <a:t>Second Outline Level</a:t>
-            </a:r>
-            <a:endParaRPr b="0" lang="pt-BR" sz="2800" spc="-1" strike="noStrike">
-              <a:solidFill>
-                <a:srgbClr val="000000"/>
-              </a:solidFill>
-              <a:uFill>
-                <a:solidFill>
-                  <a:srgbClr val="ffffff"/>
-                </a:solidFill>
-              </a:uFill>
-              <a:latin typeface="Arial"/>
-            </a:endParaRPr>
-          </a:p>
-          <a:p>
-            <a:pPr lvl="2" marL="1296000" indent="-288000">
-              <a:buClr>
-                <a:srgbClr val="000000"/>
-              </a:buClr>
-              <a:buSzPct val="45000"/>
-              <a:buFont typeface="Wingdings" charset="2"/>
-              <a:buChar char=""/>
-            </a:pPr>
-            <a:r>
-              <a:rPr b="0" lang="pt-BR" sz="2400" spc="-1" strike="noStrike">
-                <a:solidFill>
-                  <a:srgbClr val="000000"/>
-                </a:solidFill>
-                <a:uFill>
-                  <a:solidFill>
-                    <a:srgbClr val="ffffff"/>
-                  </a:solidFill>
-                </a:uFill>
-                <a:latin typeface="Arial"/>
-              </a:rPr>
-              <a:t>Third Outline Level</a:t>
-            </a:r>
-            <a:endParaRPr b="0" lang="pt-BR" sz="2400" spc="-1" strike="noStrike">
-              <a:solidFill>
-                <a:srgbClr val="000000"/>
-              </a:solidFill>
-              <a:uFill>
-                <a:solidFill>
-                  <a:srgbClr val="ffffff"/>
-                </a:solidFill>
-              </a:uFill>
-              <a:latin typeface="Arial"/>
-            </a:endParaRPr>
-          </a:p>
-          <a:p>
-            <a:pPr lvl="3" marL="1728000" indent="-216000">
-              <a:buClr>
-                <a:srgbClr val="000000"/>
-              </a:buClr>
-              <a:buSzPct val="75000"/>
-              <a:buFont typeface="Symbol" charset="2"/>
-              <a:buChar char=""/>
-            </a:pPr>
-            <a:r>
-              <a:rPr b="0" lang="pt-BR" sz="2000" spc="-1" strike="noStrike">
-                <a:solidFill>
-                  <a:srgbClr val="000000"/>
-                </a:solidFill>
-                <a:uFill>
-                  <a:solidFill>
-                    <a:srgbClr val="ffffff"/>
-                  </a:solidFill>
-                </a:uFill>
-                <a:latin typeface="Arial"/>
-              </a:rPr>
-              <a:t>Fourth Outline Level</a:t>
-            </a:r>
-            <a:endParaRPr b="0" lang="pt-BR" sz="2000" spc="-1" strike="noStrike">
-              <a:solidFill>
-                <a:srgbClr val="000000"/>
-              </a:solidFill>
-              <a:uFill>
-                <a:solidFill>
-                  <a:srgbClr val="ffffff"/>
-                </a:solidFill>
-              </a:uFill>
-              <a:latin typeface="Arial"/>
-            </a:endParaRPr>
-          </a:p>
-          <a:p>
-            <a:pPr lvl="4" marL="2160000" indent="-216000">
-              <a:buClr>
-                <a:srgbClr val="000000"/>
-              </a:buClr>
-              <a:buSzPct val="45000"/>
-              <a:buFont typeface="Wingdings" charset="2"/>
-              <a:buChar char=""/>
-            </a:pPr>
-            <a:r>
-              <a:rPr b="0" lang="pt-BR" sz="2000" spc="-1" strike="noStrike">
-                <a:solidFill>
-                  <a:srgbClr val="000000"/>
-                </a:solidFill>
-                <a:uFill>
-                  <a:solidFill>
-                    <a:srgbClr val="ffffff"/>
-                  </a:solidFill>
-                </a:uFill>
-                <a:latin typeface="Arial"/>
-              </a:rPr>
-              <a:t>Fifth Outline Level</a:t>
-            </a:r>
-            <a:endParaRPr b="0" lang="pt-BR" sz="2000" spc="-1" strike="noStrike">
-              <a:solidFill>
-                <a:srgbClr val="000000"/>
-              </a:solidFill>
-              <a:uFill>
-                <a:solidFill>
-                  <a:srgbClr val="ffffff"/>
-                </a:solidFill>
-              </a:uFill>
-              <a:latin typeface="Arial"/>
-            </a:endParaRPr>
-          </a:p>
-          <a:p>
-            <a:pPr lvl="5" marL="2592000" indent="-216000">
-              <a:buClr>
-                <a:srgbClr val="000000"/>
-              </a:buClr>
-              <a:buSzPct val="45000"/>
-              <a:buFont typeface="Wingdings" charset="2"/>
-              <a:buChar char=""/>
-            </a:pPr>
-            <a:r>
-              <a:rPr b="0" lang="pt-BR" sz="2000" spc="-1" strike="noStrike">
-                <a:solidFill>
-                  <a:srgbClr val="000000"/>
-                </a:solidFill>
-                <a:uFill>
-                  <a:solidFill>
-                    <a:srgbClr val="ffffff"/>
-                  </a:solidFill>
-                </a:uFill>
-                <a:latin typeface="Arial"/>
-              </a:rPr>
-              <a:t>Sixth Outline Level</a:t>
-            </a:r>
-            <a:endParaRPr b="0" lang="pt-BR" sz="2000" spc="-1" strike="noStrike">
-              <a:solidFill>
-                <a:srgbClr val="000000"/>
-              </a:solidFill>
-              <a:uFill>
-                <a:solidFill>
-                  <a:srgbClr val="ffffff"/>
-                </a:solidFill>
-              </a:uFill>
-              <a:latin typeface="Arial"/>
-            </a:endParaRPr>
-          </a:p>
-          <a:p>
-            <a:pPr lvl="6" marL="3024000" indent="-216000">
-              <a:buClr>
-                <a:srgbClr val="000000"/>
-              </a:buClr>
-              <a:buSzPct val="45000"/>
-              <a:buFont typeface="Wingdings" charset="2"/>
-              <a:buChar char=""/>
-            </a:pPr>
-            <a:r>
-              <a:rPr b="0" lang="pt-BR" sz="2000" spc="-1" strike="noStrike">
-                <a:solidFill>
-                  <a:srgbClr val="000000"/>
-                </a:solidFill>
-                <a:uFill>
-                  <a:solidFill>
-                    <a:srgbClr val="ffffff"/>
-                  </a:solidFill>
-                </a:uFill>
-                <a:latin typeface="Arial"/>
-              </a:rPr>
-              <a:t>Seventh Outline Level</a:t>
-            </a:r>
-            <a:endParaRPr b="0" lang="pt-BR" sz="2000" spc="-1" strike="noStrike">
-              <a:solidFill>
-                <a:srgbClr val="000000"/>
-              </a:solidFill>
-              <a:uFill>
-                <a:solidFill>
-                  <a:srgbClr val="ffffff"/>
-                </a:solidFill>
-              </a:uFill>
-              <a:latin typeface="Arial"/>
-            </a:endParaRPr>
-          </a:p>
-        </p:txBody>
-      </p:sp>
     </p:spTree>
   </p:cSld>
   <p:clrMap bg1="lt1" bg2="lt2" tx1="dk1" tx2="dk2" accent1="accent1" accent2="accent2" accent3="accent3" accent4="accent4" accent5="accent5" accent6="accent6" hlink="hlink" folHlink="folHlink"/>
@@ -1875,7 +1438,7 @@
         <p:spPr>
           <a:xfrm>
             <a:off x="1743120" y="39168000"/>
-            <a:ext cx="9092520" cy="2052000"/>
+            <a:ext cx="9091800" cy="2051280"/>
           </a:xfrm>
           <a:prstGeom prst="rect">
             <a:avLst/>
@@ -1892,7 +1455,9 @@
           <a:fontRef idx="minor"/>
         </p:style>
         <p:txBody>
-          <a:bodyPr wrap="none" lIns="90000" rIns="90000" tIns="45000" bIns="45000"/>
+          <a:bodyPr wrap="none" lIns="90000" rIns="90000" tIns="45000" bIns="45000">
+            <a:noAutofit/>
+          </a:bodyPr>
           <a:p>
             <a:pPr algn="ctr">
               <a:lnSpc>
@@ -1904,25 +1469,12 @@
                 <a:solidFill>
                   <a:srgbClr val="000000"/>
                 </a:solidFill>
-                <a:uFill>
-                  <a:solidFill>
-                    <a:srgbClr val="ffffff"/>
-                  </a:solidFill>
-                </a:uFill>
                 <a:latin typeface="Book Antiqua"/>
                 <a:ea typeface="Arial"/>
               </a:rPr>
               <a:t>Renata Dutra Braga</a:t>
             </a:r>
-            <a:endParaRPr b="0" lang="pt-BR" sz="1800" spc="-1" strike="noStrike">
-              <a:solidFill>
-                <a:srgbClr val="000000"/>
-              </a:solidFill>
-              <a:uFill>
-                <a:solidFill>
-                  <a:srgbClr val="ffffff"/>
-                </a:solidFill>
-              </a:uFill>
+            <a:endParaRPr b="0" lang="pt-BR" sz="4000" spc="-1" strike="noStrike">
               <a:latin typeface="Arial"/>
             </a:endParaRPr>
           </a:p>
@@ -1937,25 +1489,12 @@
                 <a:solidFill>
                   <a:srgbClr val="000000"/>
                 </a:solidFill>
-                <a:uFill>
-                  <a:solidFill>
-                    <a:srgbClr val="ffffff"/>
-                  </a:solidFill>
-                </a:uFill>
                 <a:latin typeface="Book Antiqua"/>
                 <a:ea typeface="Arial"/>
               </a:rPr>
               <a:t>Instituto de Informática (UFG)</a:t>
             </a:r>
-            <a:endParaRPr b="0" lang="pt-BR" sz="1800" spc="-1" strike="noStrike">
-              <a:solidFill>
-                <a:srgbClr val="000000"/>
-              </a:solidFill>
-              <a:uFill>
-                <a:solidFill>
-                  <a:srgbClr val="ffffff"/>
-                </a:solidFill>
-              </a:uFill>
+            <a:endParaRPr b="0" lang="pt-BR" sz="4000" spc="-1" strike="noStrike">
               <a:latin typeface="Arial"/>
             </a:endParaRPr>
           </a:p>
@@ -1970,25 +1509,12 @@
                 <a:solidFill>
                   <a:srgbClr val="000000"/>
                 </a:solidFill>
-                <a:uFill>
-                  <a:solidFill>
-                    <a:srgbClr val="ffffff"/>
-                  </a:solidFill>
-                </a:uFill>
                 <a:latin typeface="Book Antiqua"/>
                 <a:ea typeface="Arial"/>
               </a:rPr>
               <a:t>Doutora, professora adjunta</a:t>
             </a:r>
-            <a:endParaRPr b="0" lang="pt-BR" sz="1800" spc="-1" strike="noStrike">
-              <a:solidFill>
-                <a:srgbClr val="000000"/>
-              </a:solidFill>
-              <a:uFill>
-                <a:solidFill>
-                  <a:srgbClr val="ffffff"/>
-                </a:solidFill>
-              </a:uFill>
+            <a:endParaRPr b="0" lang="pt-BR" sz="4000" spc="-1" strike="noStrike">
               <a:latin typeface="Arial"/>
             </a:endParaRPr>
           </a:p>
@@ -2003,7 +1529,7 @@
         <p:spPr>
           <a:xfrm>
             <a:off x="11772000" y="39168000"/>
-            <a:ext cx="9092520" cy="2052000"/>
+            <a:ext cx="9091800" cy="2051280"/>
           </a:xfrm>
           <a:prstGeom prst="rect">
             <a:avLst/>
@@ -2020,7 +1546,9 @@
           <a:fontRef idx="minor"/>
         </p:style>
         <p:txBody>
-          <a:bodyPr wrap="none" lIns="90000" rIns="90000" tIns="45000" bIns="45000"/>
+          <a:bodyPr wrap="none" lIns="90000" rIns="90000" tIns="45000" bIns="45000">
+            <a:noAutofit/>
+          </a:bodyPr>
           <a:p>
             <a:pPr algn="ctr">
               <a:lnSpc>
@@ -2032,25 +1560,12 @@
                 <a:solidFill>
                   <a:srgbClr val="000000"/>
                 </a:solidFill>
-                <a:uFill>
-                  <a:solidFill>
-                    <a:srgbClr val="ffffff"/>
-                  </a:solidFill>
-                </a:uFill>
                 <a:latin typeface="Book Antiqua"/>
                 <a:ea typeface="Arial"/>
               </a:rPr>
               <a:t>Rejane Faria Ribeiro-Rotta</a:t>
             </a:r>
-            <a:endParaRPr b="0" lang="pt-BR" sz="1800" spc="-1" strike="noStrike">
-              <a:solidFill>
-                <a:srgbClr val="000000"/>
-              </a:solidFill>
-              <a:uFill>
-                <a:solidFill>
-                  <a:srgbClr val="ffffff"/>
-                </a:solidFill>
-              </a:uFill>
+            <a:endParaRPr b="0" lang="pt-BR" sz="4000" spc="-1" strike="noStrike">
               <a:latin typeface="Arial"/>
             </a:endParaRPr>
           </a:p>
@@ -2065,25 +1580,12 @@
                 <a:solidFill>
                   <a:srgbClr val="000000"/>
                 </a:solidFill>
-                <a:uFill>
-                  <a:solidFill>
-                    <a:srgbClr val="ffffff"/>
-                  </a:solidFill>
-                </a:uFill>
                 <a:latin typeface="Book Antiqua"/>
                 <a:ea typeface="Arial"/>
               </a:rPr>
               <a:t>Faculdade de Odontologia (UFG)</a:t>
             </a:r>
-            <a:endParaRPr b="0" lang="pt-BR" sz="1800" spc="-1" strike="noStrike">
-              <a:solidFill>
-                <a:srgbClr val="000000"/>
-              </a:solidFill>
-              <a:uFill>
-                <a:solidFill>
-                  <a:srgbClr val="ffffff"/>
-                </a:solidFill>
-              </a:uFill>
+            <a:endParaRPr b="0" lang="pt-BR" sz="4000" spc="-1" strike="noStrike">
               <a:latin typeface="Arial"/>
             </a:endParaRPr>
           </a:p>
@@ -2098,25 +1600,12 @@
                 <a:solidFill>
                   <a:srgbClr val="000000"/>
                 </a:solidFill>
-                <a:uFill>
-                  <a:solidFill>
-                    <a:srgbClr val="ffffff"/>
-                  </a:solidFill>
-                </a:uFill>
                 <a:latin typeface="Book Antiqua"/>
                 <a:ea typeface="Arial"/>
               </a:rPr>
               <a:t>Doutora, professora titular</a:t>
             </a:r>
-            <a:endParaRPr b="0" lang="pt-BR" sz="1800" spc="-1" strike="noStrike">
-              <a:solidFill>
-                <a:srgbClr val="000000"/>
-              </a:solidFill>
-              <a:uFill>
-                <a:solidFill>
-                  <a:srgbClr val="ffffff"/>
-                </a:solidFill>
-              </a:uFill>
+            <a:endParaRPr b="0" lang="pt-BR" sz="4000" spc="-1" strike="noStrike">
               <a:latin typeface="Arial"/>
             </a:endParaRPr>
           </a:p>
@@ -2131,7 +1620,7 @@
         <p:spPr>
           <a:xfrm>
             <a:off x="21398760" y="39168000"/>
-            <a:ext cx="9092520" cy="2052000"/>
+            <a:ext cx="9091800" cy="2051280"/>
           </a:xfrm>
           <a:prstGeom prst="rect">
             <a:avLst/>
@@ -2148,7 +1637,9 @@
           <a:fontRef idx="minor"/>
         </p:style>
         <p:txBody>
-          <a:bodyPr wrap="none" lIns="90000" rIns="90000" tIns="45000" bIns="45000"/>
+          <a:bodyPr wrap="none" lIns="90000" rIns="90000" tIns="45000" bIns="45000">
+            <a:noAutofit/>
+          </a:bodyPr>
           <a:p>
             <a:pPr algn="ctr">
               <a:lnSpc>
@@ -2160,25 +1651,12 @@
                 <a:solidFill>
                   <a:srgbClr val="000000"/>
                 </a:solidFill>
-                <a:uFill>
-                  <a:solidFill>
-                    <a:srgbClr val="ffffff"/>
-                  </a:solidFill>
-                </a:uFill>
                 <a:latin typeface="Book Antiqua"/>
                 <a:ea typeface="Arial"/>
               </a:rPr>
               <a:t>Fábio Nogueira de Lucena</a:t>
             </a:r>
-            <a:endParaRPr b="0" lang="pt-BR" sz="1800" spc="-1" strike="noStrike">
-              <a:solidFill>
-                <a:srgbClr val="000000"/>
-              </a:solidFill>
-              <a:uFill>
-                <a:solidFill>
-                  <a:srgbClr val="ffffff"/>
-                </a:solidFill>
-              </a:uFill>
+            <a:endParaRPr b="0" lang="pt-BR" sz="4000" spc="-1" strike="noStrike">
               <a:latin typeface="Arial"/>
             </a:endParaRPr>
           </a:p>
@@ -2193,25 +1671,12 @@
                 <a:solidFill>
                   <a:srgbClr val="000000"/>
                 </a:solidFill>
-                <a:uFill>
-                  <a:solidFill>
-                    <a:srgbClr val="ffffff"/>
-                  </a:solidFill>
-                </a:uFill>
                 <a:latin typeface="Book Antiqua"/>
                 <a:ea typeface="Arial"/>
               </a:rPr>
               <a:t>Instituto de Informática (UFG)</a:t>
             </a:r>
-            <a:endParaRPr b="0" lang="pt-BR" sz="1800" spc="-1" strike="noStrike">
-              <a:solidFill>
-                <a:srgbClr val="000000"/>
-              </a:solidFill>
-              <a:uFill>
-                <a:solidFill>
-                  <a:srgbClr val="ffffff"/>
-                </a:solidFill>
-              </a:uFill>
+            <a:endParaRPr b="0" lang="pt-BR" sz="4000" spc="-1" strike="noStrike">
               <a:latin typeface="Arial"/>
             </a:endParaRPr>
           </a:p>
@@ -2226,25 +1691,12 @@
                 <a:solidFill>
                   <a:srgbClr val="000000"/>
                 </a:solidFill>
-                <a:uFill>
-                  <a:solidFill>
-                    <a:srgbClr val="ffffff"/>
-                  </a:solidFill>
-                </a:uFill>
                 <a:latin typeface="Book Antiqua"/>
                 <a:ea typeface="Arial"/>
               </a:rPr>
               <a:t>Doutor, professor titular</a:t>
             </a:r>
-            <a:endParaRPr b="0" lang="pt-BR" sz="1800" spc="-1" strike="noStrike">
-              <a:solidFill>
-                <a:srgbClr val="000000"/>
-              </a:solidFill>
-              <a:uFill>
-                <a:solidFill>
-                  <a:srgbClr val="ffffff"/>
-                </a:solidFill>
-              </a:uFill>
+            <a:endParaRPr b="0" lang="pt-BR" sz="4000" spc="-1" strike="noStrike">
               <a:latin typeface="Arial"/>
             </a:endParaRPr>
           </a:p>
@@ -2259,7 +1711,7 @@
         <p:spPr>
           <a:xfrm>
             <a:off x="2037240" y="7657200"/>
-            <a:ext cx="28361160" cy="5495040"/>
+            <a:ext cx="28360440" cy="5494320"/>
           </a:xfrm>
           <a:prstGeom prst="rect">
             <a:avLst/>
@@ -2276,7 +1728,9 @@
           <a:fontRef idx="minor"/>
         </p:style>
         <p:txBody>
-          <a:bodyPr lIns="109080" rIns="109080" tIns="54720" bIns="54720"/>
+          <a:bodyPr lIns="109080" rIns="109080" tIns="54720" bIns="54720">
+            <a:noAutofit/>
+          </a:bodyPr>
           <a:p>
             <a:pPr algn="ctr">
               <a:lnSpc>
@@ -2288,25 +1742,12 @@
                 <a:solidFill>
                   <a:srgbClr val="000000"/>
                 </a:solidFill>
-                <a:uFill>
-                  <a:solidFill>
-                    <a:srgbClr val="ffffff"/>
-                  </a:solidFill>
-                </a:uFill>
                 <a:latin typeface="Calibri"/>
                 <a:ea typeface="Arial"/>
               </a:rPr>
               <a:t>Identificando Pacientes</a:t>
             </a:r>
-            <a:endParaRPr b="0" lang="pt-BR" sz="1800" spc="-1" strike="noStrike">
-              <a:solidFill>
-                <a:srgbClr val="000000"/>
-              </a:solidFill>
-              <a:uFill>
-                <a:solidFill>
-                  <a:srgbClr val="ffffff"/>
-                </a:solidFill>
-              </a:uFill>
+            <a:endParaRPr b="0" lang="pt-BR" sz="9600" spc="-1" strike="noStrike">
               <a:latin typeface="Arial"/>
             </a:endParaRPr>
           </a:p>
@@ -2321,25 +1762,12 @@
                 <a:solidFill>
                   <a:srgbClr val="000000"/>
                 </a:solidFill>
-                <a:uFill>
-                  <a:solidFill>
-                    <a:srgbClr val="ffffff"/>
-                  </a:solidFill>
-                </a:uFill>
                 <a:latin typeface="Calibri"/>
                 <a:ea typeface="Arial"/>
               </a:rPr>
               <a:t>conforme a Norma ABNT 15985:2011</a:t>
             </a:r>
-            <a:endParaRPr b="0" lang="pt-BR" sz="1800" spc="-1" strike="noStrike">
-              <a:solidFill>
-                <a:srgbClr val="000000"/>
-              </a:solidFill>
-              <a:uFill>
-                <a:solidFill>
-                  <a:srgbClr val="ffffff"/>
-                </a:solidFill>
-              </a:uFill>
+            <a:endParaRPr b="0" lang="pt-BR" sz="9600" spc="-1" strike="noStrike">
               <a:latin typeface="Arial"/>
             </a:endParaRPr>
           </a:p>
@@ -2359,7 +1787,7 @@
         <p:spPr>
           <a:xfrm>
             <a:off x="2037240" y="2952360"/>
-            <a:ext cx="4753440" cy="2434680"/>
+            <a:ext cx="4752720" cy="2433960"/>
           </a:xfrm>
           <a:prstGeom prst="rect">
             <a:avLst/>
@@ -2378,11 +1806,22 @@
         <p:spPr>
           <a:xfrm>
             <a:off x="0" y="42397560"/>
-            <a:ext cx="32402520" cy="807840"/>
-          </a:xfrm>
-          <a:prstGeom prst="rect">
-            <a:avLst/>
-          </a:prstGeom>
+            <a:ext cx="32401800" cy="807120"/>
+          </a:xfrm>
+          <a:prstGeom prst="rect">
+            <a:avLst/>
+          </a:prstGeom>
+          <a:gradFill rotWithShape="0">
+            <a:gsLst>
+              <a:gs pos="0">
+                <a:srgbClr val="2988a1"/>
+              </a:gs>
+              <a:gs pos="100000">
+                <a:srgbClr val="36b0d1"/>
+              </a:gs>
+            </a:gsLst>
+            <a:lin ang="16200000"/>
+          </a:gradFill>
           <a:ln>
             <a:solidFill>
               <a:srgbClr val="46aac4"/>
@@ -2390,7 +1829,7 @@
             <a:round/>
           </a:ln>
           <a:effectLst>
-            <a:outerShdw blurRad="40000" dir="5400000" dist="23000" rotWithShape="0">
+            <a:outerShdw blurRad="40000" dir="5400000" dist="23040" rotWithShape="0">
               <a:srgbClr val="000000">
                 <a:alpha val="35000"/>
               </a:srgbClr>
@@ -2419,7 +1858,7 @@
         <p:spPr>
           <a:xfrm>
             <a:off x="16920000" y="42432120"/>
-            <a:ext cx="8412840" cy="771120"/>
+            <a:ext cx="8412120" cy="770400"/>
           </a:xfrm>
           <a:prstGeom prst="rect">
             <a:avLst/>
@@ -2445,7 +1884,7 @@
         <p:spPr>
           <a:xfrm>
             <a:off x="25025760" y="42428160"/>
-            <a:ext cx="6824880" cy="716040"/>
+            <a:ext cx="6824160" cy="715320"/>
           </a:xfrm>
           <a:prstGeom prst="rect">
             <a:avLst/>
@@ -2471,11 +1910,22 @@
         <p:spPr>
           <a:xfrm>
             <a:off x="0" y="-6840"/>
-            <a:ext cx="32402520" cy="807840"/>
-          </a:xfrm>
-          <a:prstGeom prst="rect">
-            <a:avLst/>
-          </a:prstGeom>
+            <a:ext cx="32401800" cy="807120"/>
+          </a:xfrm>
+          <a:prstGeom prst="rect">
+            <a:avLst/>
+          </a:prstGeom>
+          <a:gradFill rotWithShape="0">
+            <a:gsLst>
+              <a:gs pos="0">
+                <a:srgbClr val="2988a1"/>
+              </a:gs>
+              <a:gs pos="100000">
+                <a:srgbClr val="36b0d1"/>
+              </a:gs>
+            </a:gsLst>
+            <a:lin ang="16200000"/>
+          </a:gradFill>
           <a:ln>
             <a:solidFill>
               <a:srgbClr val="46aac4"/>
@@ -2483,7 +1933,7 @@
             <a:round/>
           </a:ln>
           <a:effectLst>
-            <a:outerShdw blurRad="40000" dir="5400000" dist="23000" rotWithShape="0">
+            <a:outerShdw blurRad="40000" dir="5400000" dist="23040" rotWithShape="0">
               <a:srgbClr val="000000">
                 <a:alpha val="35000"/>
               </a:srgbClr>
@@ -2512,7 +1962,7 @@
         <p:spPr>
           <a:xfrm>
             <a:off x="8292960" y="2491560"/>
-            <a:ext cx="17714520" cy="3807720"/>
+            <a:ext cx="17713800" cy="3807000"/>
           </a:xfrm>
           <a:prstGeom prst="rect">
             <a:avLst/>
@@ -2529,7 +1979,9 @@
           <a:fontRef idx="minor"/>
         </p:style>
         <p:txBody>
-          <a:bodyPr lIns="90000" rIns="90000" tIns="45000" bIns="45000"/>
+          <a:bodyPr lIns="90000" rIns="90000" tIns="45000" bIns="45000">
+            <a:noAutofit/>
+          </a:bodyPr>
           <a:p>
             <a:pPr algn="ctr">
               <a:lnSpc>
@@ -2541,25 +1993,12 @@
                 <a:solidFill>
                   <a:srgbClr val="000000"/>
                 </a:solidFill>
-                <a:uFill>
-                  <a:solidFill>
-                    <a:srgbClr val="ffffff"/>
-                  </a:solidFill>
-                </a:uFill>
                 <a:latin typeface="Calibri"/>
                 <a:ea typeface="SimSun"/>
               </a:rPr>
               <a:t>CGIS </a:t>
             </a:r>
-            <a:endParaRPr b="0" lang="pt-BR" sz="1800" spc="-1" strike="noStrike">
-              <a:solidFill>
-                <a:srgbClr val="000000"/>
-              </a:solidFill>
-              <a:uFill>
-                <a:solidFill>
-                  <a:srgbClr val="ffffff"/>
-                </a:solidFill>
-              </a:uFill>
+            <a:endParaRPr b="0" lang="pt-BR" sz="18000" spc="-1" strike="noStrike">
               <a:latin typeface="Arial"/>
             </a:endParaRPr>
           </a:p>
@@ -2574,7 +2013,7 @@
         <p:spPr>
           <a:xfrm>
             <a:off x="2786760" y="36791280"/>
-            <a:ext cx="12764520" cy="1332000"/>
+            <a:ext cx="12763800" cy="1331280"/>
           </a:xfrm>
           <a:prstGeom prst="rect">
             <a:avLst/>
@@ -2591,7 +2030,9 @@
           <a:fontRef idx="minor"/>
         </p:style>
         <p:txBody>
-          <a:bodyPr wrap="none" lIns="90000" rIns="90000" tIns="45000" bIns="45000"/>
+          <a:bodyPr wrap="none" lIns="90000" rIns="90000" tIns="45000" bIns="45000">
+            <a:noAutofit/>
+          </a:bodyPr>
           <a:p>
             <a:pPr>
               <a:lnSpc>
@@ -2603,25 +2044,12 @@
                 <a:solidFill>
                   <a:srgbClr val="000000"/>
                 </a:solidFill>
-                <a:uFill>
-                  <a:solidFill>
-                    <a:srgbClr val="ffffff"/>
-                  </a:solidFill>
-                </a:uFill>
                 <a:latin typeface="Book Antiqua"/>
                 <a:ea typeface="Arial"/>
               </a:rPr>
               <a:t>Detalhes em https://github.com/kyriosdata/id</a:t>
             </a:r>
-            <a:endParaRPr b="0" lang="pt-BR" sz="1800" spc="-1" strike="noStrike">
-              <a:solidFill>
-                <a:srgbClr val="000000"/>
-              </a:solidFill>
-              <a:uFill>
-                <a:solidFill>
-                  <a:srgbClr val="ffffff"/>
-                </a:solidFill>
-              </a:uFill>
+            <a:endParaRPr b="0" lang="pt-BR" sz="4000" spc="-1" strike="noStrike">
               <a:latin typeface="Arial"/>
             </a:endParaRPr>
           </a:p>
@@ -2636,7 +2064,7 @@
         <p:spPr>
           <a:xfrm>
             <a:off x="2927520" y="34644240"/>
-            <a:ext cx="3028320" cy="698760"/>
+            <a:ext cx="3027600" cy="698040"/>
           </a:xfrm>
           <a:prstGeom prst="rect">
             <a:avLst/>
@@ -2662,7 +2090,7 @@
         <p:spPr>
           <a:xfrm>
             <a:off x="2037240" y="12864240"/>
-            <a:ext cx="28361160" cy="5495040"/>
+            <a:ext cx="28360440" cy="5494320"/>
           </a:xfrm>
           <a:prstGeom prst="rect">
             <a:avLst/>
@@ -2679,7 +2107,9 @@
           <a:fontRef idx="minor"/>
         </p:style>
         <p:txBody>
-          <a:bodyPr lIns="109080" rIns="109080" tIns="54720" bIns="54720"/>
+          <a:bodyPr lIns="109080" rIns="109080" tIns="54720" bIns="54720">
+            <a:noAutofit/>
+          </a:bodyPr>
           <a:p>
             <a:pPr algn="just">
               <a:lnSpc>
@@ -2691,11 +2121,6 @@
                 <a:solidFill>
                   <a:srgbClr val="000000"/>
                 </a:solidFill>
-                <a:uFill>
-                  <a:solidFill>
-                    <a:srgbClr val="ffffff"/>
-                  </a:solidFill>
-                </a:uFill>
                 <a:latin typeface="Calibri"/>
                 <a:ea typeface="Arial"/>
               </a:rPr>
@@ -2706,11 +2131,6 @@
                 <a:solidFill>
                   <a:srgbClr val="000000"/>
                 </a:solidFill>
-                <a:uFill>
-                  <a:solidFill>
-                    <a:srgbClr val="ffffff"/>
-                  </a:solidFill>
-                </a:uFill>
                 <a:latin typeface="Calibri"/>
                 <a:ea typeface="Arial"/>
               </a:rPr>
@@ -2721,25 +2141,42 @@
                 <a:solidFill>
                   <a:srgbClr val="000000"/>
                 </a:solidFill>
-                <a:uFill>
-                  <a:solidFill>
-                    <a:srgbClr val="ffffff"/>
-                  </a:solidFill>
-                </a:uFill>
                 <a:latin typeface="Calibri"/>
                 <a:ea typeface="Arial"/>
               </a:rPr>
-              <a:t> define informações e fornece orientações para a identificação de indivíduos em um ambiente de assistência à saúde. O desenvolvimento de sistemas de informação em saúde é beneficiado pelo rica análise de cenários a serem contemplados na identificação de pacientes. O modelo conceitual abaixo foi produzido a partir desta norma, assim como um modelo lógico e outro físico, indispensável para o armazenamento de tais dados em conformidade com tal norma. </a:t>
+              <a:t> define informações e fornece orientações para a identificação de indivíduos em um ambiente de assistência à saúde. O desenvolvimento de sistemas de informação em saúde é beneficiado pela rica análise de cenários, presente na norma, a serem observados na identificação de pacientes. O modelo conceitual abaixo foi produzido a partir desta norma, assim como um modelo lógico e outro físico, indispensável para o armazenamento de tais dados. Estes modelos, juntamente com uma interface gráfica </a:t>
             </a:r>
-            <a:endParaRPr b="0" lang="pt-BR" sz="1800" spc="-1" strike="noStrike">
-              <a:solidFill>
-                <a:srgbClr val="000000"/>
-              </a:solidFill>
-              <a:uFill>
+            <a:r>
+              <a:rPr b="0" i="1" lang="pt-BR" sz="6000" spc="-1" strike="noStrike">
                 <a:solidFill>
-                  <a:srgbClr val="ffffff"/>
+                  <a:srgbClr val="000000"/>
                 </a:solidFill>
-              </a:uFill>
+                <a:latin typeface="Calibri"/>
+                <a:ea typeface="Arial"/>
+              </a:rPr>
+              <a:t>web </a:t>
+            </a:r>
+            <a:r>
+              <a:rPr b="0" lang="pt-BR" sz="6000" spc="-1" strike="noStrike">
+                <a:solidFill>
+                  <a:srgbClr val="000000"/>
+                </a:solidFill>
+                <a:latin typeface="Calibri"/>
+                <a:ea typeface="Arial"/>
+              </a:rPr>
+              <a:t>encontram-se amplamente disponíveis e permitem orientar desenvolvedores de software e profissionais de saúde interessados na identificação de pacientes.</a:t>
+            </a:r>
+            <a:r>
+              <a:rPr b="0" lang="pt-BR" sz="6000" spc="-1" strike="noStrike">
+                <a:solidFill>
+                  <a:srgbClr val="000000"/>
+                </a:solidFill>
+                <a:latin typeface="Calibri"/>
+                <a:ea typeface="Arial"/>
+              </a:rPr>
+              <a:t> </a:t>
+            </a:r>
+            <a:endParaRPr b="0" lang="pt-BR" sz="6000" spc="-1" strike="noStrike">
               <a:latin typeface="Arial"/>
             </a:endParaRPr>
           </a:p>
@@ -2757,8 +2194,8 @@
         </p:blipFill>
         <p:spPr>
           <a:xfrm>
-            <a:off x="5688000" y="21510000"/>
-            <a:ext cx="21835080" cy="14379840"/>
+            <a:off x="5688000" y="21901320"/>
+            <a:ext cx="21240000" cy="13987800"/>
           </a:xfrm>
           <a:prstGeom prst="rect">
             <a:avLst/>
@@ -2770,33 +2207,14 @@
       </p:pic>
     </p:spTree>
   </p:cSld>
-  <p:timing>
-    <p:tnLst>
-      <p:par>
-        <p:cTn id="1" dur="indefinite" restart="never" nodeType="tmRoot">
-          <p:childTnLst>
-            <p:seq>
-              <p:cTn id="2" nodeType="mainSeq"/>
-              <p:prevCondLst>
-                <p:cond delay="0" evt="onPrev">
-                  <p:tgtEl>
-                    <p:sldTgt/>
-                  </p:tgtEl>
-                </p:cond>
-              </p:prevCondLst>
-              <p:nextCondLst>
-                <p:cond delay="0" evt="onNext">
-                  <p:tgtEl>
-                    <p:sldTgt/>
-                  </p:tgtEl>
-                </p:cond>
-              </p:nextCondLst>
-            </p:seq>
-          </p:childTnLst>
-        </p:cTn>
-      </p:par>
-    </p:tnLst>
-  </p:timing>
+  <mc:AlternateContent>
+    <mc:Choice Requires="p14">
+      <p:transition spd="slow" p14:dur="2000"/>
+    </mc:Choice>
+    <mc:Fallback>
+      <p:transition spd="slow"/>
+    </mc:Fallback>
+  </mc:AlternateContent>
 </p:sld>
 </file>
 
@@ -2811,31 +2229,31 @@
         <a:sysClr val="window" lastClr="FFFFFF"/>
       </a:lt1>
       <a:dk2>
-        <a:srgbClr val="1F497D"/>
+        <a:srgbClr val="1f497d"/>
       </a:dk2>
       <a:lt2>
-        <a:srgbClr val="EEECE1"/>
+        <a:srgbClr val="eeece1"/>
       </a:lt2>
       <a:accent1>
-        <a:srgbClr val="4F81BD"/>
+        <a:srgbClr val="4f81bd"/>
       </a:accent1>
       <a:accent2>
-        <a:srgbClr val="C0504D"/>
+        <a:srgbClr val="c0504d"/>
       </a:accent2>
       <a:accent3>
-        <a:srgbClr val="9BBB59"/>
+        <a:srgbClr val="9bbb59"/>
       </a:accent3>
       <a:accent4>
-        <a:srgbClr val="8064A2"/>
+        <a:srgbClr val="8064a2"/>
       </a:accent4>
       <a:accent5>
-        <a:srgbClr val="4BACC6"/>
+        <a:srgbClr val="4bacc6"/>
       </a:accent5>
       <a:accent6>
-        <a:srgbClr val="F79646"/>
+        <a:srgbClr val="f79646"/>
       </a:accent6>
       <a:hlink>
-        <a:srgbClr val="0000FF"/>
+        <a:srgbClr val="0000ff"/>
       </a:hlink>
       <a:folHlink>
         <a:srgbClr val="800080"/>
@@ -2914,18 +2332,21 @@
             </a:schemeClr>
           </a:solidFill>
           <a:prstDash val="solid"/>
+          <a:miter/>
         </a:ln>
         <a:ln w="25400" cap="flat" cmpd="sng" algn="ctr">
           <a:solidFill>
             <a:schemeClr val="phClr"/>
           </a:solidFill>
           <a:prstDash val="solid"/>
+          <a:miter/>
         </a:ln>
         <a:ln w="38100" cap="flat" cmpd="sng" algn="ctr">
           <a:solidFill>
             <a:schemeClr val="phClr"/>
           </a:solidFill>
           <a:prstDash val="solid"/>
+          <a:miter/>
         </a:ln>
       </a:lnStyleLst>
       <a:effectStyleLst>
